--- a/Assets/Class/Portfolio/게임 설계도.pptx
+++ b/Assets/Class/Portfolio/게임 설계도.pptx
@@ -2,7 +2,7 @@
 <file path=ppt/presentation.xml><?xml version="1.0" encoding="utf-8"?>
 <p:presentation xmlns:a="http://schemas.openxmlformats.org/drawingml/2006/main" xmlns:r="http://schemas.openxmlformats.org/officeDocument/2006/relationships" xmlns:p="http://schemas.openxmlformats.org/presentationml/2006/main" xmlns:p14="http://schemas.microsoft.com/office/powerpoint/2010/main" saveSubsetFonts="1" firstSlideNum="0">
   <p:sldMasterIdLst>
-    <p:sldMasterId id="2147485268" r:id="rId12"/>
+    <p:sldMasterId id="2147485276" r:id="rId12"/>
   </p:sldMasterIdLst>
   <p:notesMasterIdLst>
     <p:notesMasterId r:id="rId14"/>
@@ -11,6 +11,8 @@
     <p:sldId id="276" r:id="rId16"/>
     <p:sldId id="277" r:id="rId17"/>
     <p:sldId id="278" r:id="rId18"/>
+    <p:sldId id="279" r:id="rId19"/>
+    <p:sldId id="280" r:id="rId20"/>
   </p:sldIdLst>
   <p:sldSz cx="12192000" cy="6858000"/>
   <p:notesSz cx="6858000" cy="9144000"/>
@@ -5380,7 +5382,7 @@
       </p:grpSpPr>
       <p:pic>
         <p:nvPicPr>
-          <p:cNvPr id="3" name="그림 5" descr="C:/Users/Admin1/AppData/Roaming/PolarisOffice/ETemp/8892_19301480/fImage3613312841.png"/>
+          <p:cNvPr id="3" name="그림 5"/>
           <p:cNvPicPr>
             <a:picLocks noChangeAspect="1"/>
           </p:cNvPicPr>
@@ -5411,7 +5413,7 @@
       </p:pic>
       <p:pic>
         <p:nvPicPr>
-          <p:cNvPr id="6" name="그림 10" descr="C:/Users/Admin1/AppData/Roaming/PolarisOffice/ETemp/8892_19301480/fImage141991318467.png"/>
+          <p:cNvPr id="6" name="그림 10"/>
           <p:cNvPicPr>
             <a:picLocks noChangeAspect="1"/>
           </p:cNvPicPr>
@@ -5445,7 +5447,7 @@
       </p:pic>
       <p:pic>
         <p:nvPicPr>
-          <p:cNvPr id="7" name="그림 94" descr="C:/Users/Admin1/AppData/Roaming/PolarisOffice/ETemp/8892_19301480/fImage558215396334.png"/>
+          <p:cNvPr id="7" name="그림 94"/>
           <p:cNvPicPr>
             <a:picLocks noChangeAspect="1"/>
           </p:cNvPicPr>
@@ -5474,7 +5476,7 @@
       </p:pic>
       <p:pic>
         <p:nvPicPr>
-          <p:cNvPr id="8" name="그림 95" descr="C:/Users/Admin1/AppData/Roaming/PolarisOffice/ETemp/8892_19301480/fImage558215406500.png"/>
+          <p:cNvPr id="8" name="그림 95"/>
           <p:cNvPicPr>
             <a:picLocks noChangeAspect="1"/>
           </p:cNvPicPr>
@@ -5503,7 +5505,7 @@
       </p:pic>
       <p:pic>
         <p:nvPicPr>
-          <p:cNvPr id="9" name="그림 96" descr="C:/Users/Admin1/AppData/Roaming/PolarisOffice/ETemp/8892_19301480/fImage558215419169.png"/>
+          <p:cNvPr id="9" name="그림 96"/>
           <p:cNvPicPr>
             <a:picLocks noChangeAspect="1"/>
           </p:cNvPicPr>
@@ -5532,7 +5534,7 @@
       </p:pic>
       <p:pic>
         <p:nvPicPr>
-          <p:cNvPr id="10" name="그림 97" descr="C:/Users/Admin1/AppData/Roaming/PolarisOffice/ETemp/8892_19301480/fImage558215425724.png"/>
+          <p:cNvPr id="10" name="그림 97"/>
           <p:cNvPicPr>
             <a:picLocks noChangeAspect="1"/>
           </p:cNvPicPr>
@@ -5992,7 +5994,7 @@
       </p:pic>
       <p:pic>
         <p:nvPicPr>
-          <p:cNvPr id="24" name="그림 1" descr="C:/Users/Admin1/AppData/Roaming/PolarisOffice/ETemp/3440_18068240/fImage651415709358.png"/>
+          <p:cNvPr id="24" name="그림 1"/>
           <p:cNvPicPr>
             <a:picLocks noChangeAspect="1"/>
           </p:cNvPicPr>
@@ -6132,7 +6134,7 @@
       </p:sp>
       <p:pic>
         <p:nvPicPr>
-          <p:cNvPr id="12" name="그림 3" descr="C:/Users/Admin1/AppData/Roaming/PolarisOffice/ETemp/3440_18068240/fImage63884741.png"/>
+          <p:cNvPr id="12" name="그림 3"/>
           <p:cNvPicPr>
             <a:picLocks noChangeAspect="1"/>
           </p:cNvPicPr>
@@ -6161,7 +6163,7 @@
       </p:pic>
       <p:pic>
         <p:nvPicPr>
-          <p:cNvPr id="13" name="그림 4" descr="C:/Users/Admin1/AppData/Roaming/PolarisOffice/ETemp/3440_18068240/fImage37633488467.png"/>
+          <p:cNvPr id="13" name="그림 4"/>
           <p:cNvPicPr>
             <a:picLocks noChangeAspect="1"/>
           </p:cNvPicPr>
@@ -6248,7 +6250,7 @@
       </p:sp>
       <p:pic>
         <p:nvPicPr>
-          <p:cNvPr id="15" name="그림 6" descr="C:/Users/Admin1/AppData/Roaming/PolarisOffice/ETemp/3440_18068240/fImage37633506334.png"/>
+          <p:cNvPr id="15" name="그림 6"/>
           <p:cNvPicPr>
             <a:picLocks noChangeAspect="1"/>
           </p:cNvPicPr>
@@ -6335,7 +6337,7 @@
       </p:sp>
       <p:pic>
         <p:nvPicPr>
-          <p:cNvPr id="17" name="그림 8" descr="C:/Users/Admin1/AppData/Roaming/PolarisOffice/ETemp/3440_18068240/fImage37633526500.png"/>
+          <p:cNvPr id="17" name="그림 8"/>
           <p:cNvPicPr>
             <a:picLocks noChangeAspect="1"/>
           </p:cNvPicPr>
@@ -6357,6 +6359,795 @@
           <a:xfrm rot="19500000">
             <a:off x="8223885" y="4744720"/>
             <a:ext cx="2967990" cy="1195070"/>
+          </a:xfrm>
+          <a:prstGeom prst="rect"/>
+          <a:noFill/>
+        </p:spPr>
+      </p:pic>
+    </p:spTree>
+  </p:cSld>
+  <p:clrMapOvr>
+    <a:masterClrMapping/>
+  </p:clrMapOvr>
+  <mc:AlternateContent xmlns:mc="http://schemas.openxmlformats.org/markup-compatibility/2006">
+    <mc:Choice xmlns:p14="http://schemas.microsoft.com/office/powerpoint/2010/main" Requires="p14">
+      <p:transition spd="slow" p14:dur="1000"/>
+    </mc:Choice>
+    <mc:Fallback>
+      <p:transition spd="slow"/>
+    </mc:Fallback>
+  </mc:AlternateContent>
+  <p:timing>
+    <p:tnLst>
+      <p:par>
+        <p:cTn id="1" dur="indefinite" restart="never" nodeType="tmRoot"/>
+      </p:par>
+    </p:tnLst>
+  </p:timing>
+</p:sld>
+</file>
+
+<file path=ppt/slides/slide4.xml><?xml version="1.0" encoding="utf-8"?>
+<p:sld xmlns:a="http://schemas.openxmlformats.org/drawingml/2006/main" xmlns:r="http://schemas.openxmlformats.org/officeDocument/2006/relationships" xmlns:p="http://schemas.openxmlformats.org/presentationml/2006/main">
+  <p:cSld>
+    <p:spTree>
+      <p:nvGrpSpPr>
+        <p:cNvPr id="1" name=""/>
+        <p:cNvGrpSpPr/>
+        <p:nvPr/>
+      </p:nvGrpSpPr>
+      <p:grpSpPr>
+        <a:xfrm>
+          <a:off x="0" y="0"/>
+          <a:ext cx="0" cy="0"/>
+          <a:chOff x="0" y="0"/>
+          <a:chExt cx="0" cy="0"/>
+        </a:xfrm>
+      </p:grpSpPr>
+      <p:sp>
+        <p:nvSpPr>
+          <p:cNvPr id="11" name="Rect 0"/>
+          <p:cNvSpPr txBox="1">
+            <a:spLocks/>
+          </p:cNvSpPr>
+          <p:nvPr/>
+        </p:nvSpPr>
+        <p:spPr>
+          <a:xfrm rot="0">
+            <a:off x="1430020" y="4260850"/>
+            <a:ext cx="5354955" cy="1937385"/>
+          </a:xfrm>
+          <a:prstGeom prst="rect"/>
+          <a:noFill/>
+          <a:ln w="0">
+            <a:noFill/>
+            <a:prstDash/>
+          </a:ln>
+        </p:spPr>
+        <p:txBody>
+          <a:bodyPr wrap="square" lIns="89535" tIns="46355" rIns="89535" bIns="46355" numCol="1" vert="horz" anchor="t">
+            <a:spAutoFit/>
+          </a:bodyPr>
+          <a:lstStyle/>
+          <a:p>
+            <a:pPr marL="0" indent="0" algn="l" latinLnBrk="0" hangingPunct="1">
+              <a:buFontTx/>
+              <a:buNone/>
+            </a:pPr>
+            <a:r>
+              <a:rPr lang="ko-KR" sz="2000">
+                <a:latin typeface="맑은 고딕" charset="0"/>
+                <a:ea typeface="맑은 고딕" charset="0"/>
+              </a:rPr>
+              <a:t>몬스터와 캐릭터 사이의 특정한 거리가 되었을 때 몬스터가 캐릭터를 향해 오도록 설정합니다.</a:t>
+            </a:r>
+            <a:endParaRPr lang="ko-KR" altLang="en-US" sz="2000">
+              <a:latin typeface="맑은 고딕" charset="0"/>
+              <a:ea typeface="맑은 고딕" charset="0"/>
+            </a:endParaRPr>
+          </a:p>
+          <a:p>
+            <a:pPr marL="0" indent="0" algn="l" latinLnBrk="0" hangingPunct="1">
+              <a:buFontTx/>
+              <a:buNone/>
+            </a:pPr>
+            <a:endParaRPr lang="ko-KR" altLang="en-US" sz="2000">
+              <a:latin typeface="맑은 고딕" charset="0"/>
+              <a:ea typeface="맑은 고딕" charset="0"/>
+            </a:endParaRPr>
+          </a:p>
+          <a:p>
+            <a:pPr marL="0" indent="0" algn="l" latinLnBrk="0" hangingPunct="1">
+              <a:buFontTx/>
+              <a:buNone/>
+            </a:pPr>
+            <a:r>
+              <a:rPr lang="ko-KR" sz="2000">
+                <a:latin typeface="맑은 고딕" charset="0"/>
+                <a:ea typeface="맑은 고딕" charset="0"/>
+              </a:rPr>
+              <a:t>거리가 다시 특정 거리를 벗어나게 되면 원래 순찰하는 위치로 돌아가게 됩니다.</a:t>
+            </a:r>
+            <a:endParaRPr lang="ko-KR" altLang="en-US" sz="2000">
+              <a:latin typeface="맑은 고딕" charset="0"/>
+              <a:ea typeface="맑은 고딕" charset="0"/>
+            </a:endParaRPr>
+          </a:p>
+        </p:txBody>
+      </p:sp>
+      <p:pic>
+        <p:nvPicPr>
+          <p:cNvPr id="18" name="그림 1" descr="C:/Users/Admin1/AppData/Roaming/PolarisOffice/ETemp/27612_13624568/fImage4998212941.png"/>
+          <p:cNvPicPr>
+            <a:picLocks noChangeAspect="1"/>
+          </p:cNvPicPr>
+          <p:nvPr/>
+        </p:nvPicPr>
+        <p:blipFill rotWithShape="1">
+          <a:blip r:embed="rId2" cstate="print">
+            <a:extLst>
+              <a:ext uri="{28A0092B-C50C-407E-A947-70E740481C1C}">
+                <a14:useLocalDpi xmlns:a14="http://schemas.microsoft.com/office/drawing/2010/main" val="0"/>
+              </a:ext>
+            </a:extLst>
+          </a:blip>
+          <a:stretch>
+            <a:fillRect/>
+          </a:stretch>
+        </p:blipFill>
+        <p:spPr>
+          <a:xfrm rot="0">
+            <a:off x="1431925" y="1139190"/>
+            <a:ext cx="5352415" cy="2976245"/>
+          </a:xfrm>
+          <a:prstGeom prst="rect"/>
+          <a:noFill/>
+        </p:spPr>
+      </p:pic>
+      <p:pic>
+        <p:nvPicPr>
+          <p:cNvPr id="19" name="그림 5" descr="C:/Users/Admin1/AppData/Roaming/PolarisOffice/ETemp/27612_13624568/fImage558215396334.png"/>
+          <p:cNvPicPr>
+            <a:picLocks noChangeAspect="1"/>
+          </p:cNvPicPr>
+          <p:nvPr/>
+        </p:nvPicPr>
+        <p:blipFill rotWithShape="1">
+          <a:blip r:embed="rId3" cstate="hqprint">
+            <a:extLst>
+              <a:ext uri="{28A0092B-C50C-407E-A947-70E740481C1C}">
+                <a14:useLocalDpi xmlns:a14="http://schemas.microsoft.com/office/drawing/2010/main"/>
+              </a:ext>
+            </a:extLst>
+          </a:blip>
+          <a:stretch>
+            <a:fillRect/>
+          </a:stretch>
+        </p:blipFill>
+        <p:spPr>
+          <a:xfrm rot="0">
+            <a:off x="7486650" y="3287395"/>
+            <a:ext cx="1218565" cy="913765"/>
+          </a:xfrm>
+          <a:prstGeom prst="rect"/>
+          <a:noFill/>
+        </p:spPr>
+      </p:pic>
+      <p:pic>
+        <p:nvPicPr>
+          <p:cNvPr id="20" name="그림 6" descr="C:/Users/Admin1/AppData/Roaming/PolarisOffice/ETemp/27612_13624568/fImage558215406500.png"/>
+          <p:cNvPicPr>
+            <a:picLocks noChangeAspect="1"/>
+          </p:cNvPicPr>
+          <p:nvPr/>
+        </p:nvPicPr>
+        <p:blipFill rotWithShape="1">
+          <a:blip r:embed="rId4" cstate="hqprint">
+            <a:extLst>
+              <a:ext uri="{28A0092B-C50C-407E-A947-70E740481C1C}">
+                <a14:useLocalDpi xmlns:a14="http://schemas.microsoft.com/office/drawing/2010/main"/>
+              </a:ext>
+            </a:extLst>
+          </a:blip>
+          <a:stretch>
+            <a:fillRect/>
+          </a:stretch>
+        </p:blipFill>
+        <p:spPr>
+          <a:xfrm rot="0">
+            <a:off x="9486900" y="3287395"/>
+            <a:ext cx="1218565" cy="913765"/>
+          </a:xfrm>
+          <a:prstGeom prst="rect"/>
+          <a:noFill/>
+        </p:spPr>
+      </p:pic>
+      <p:pic>
+        <p:nvPicPr>
+          <p:cNvPr id="21" name="그림 7" descr="C:/Users/Admin1/AppData/Roaming/PolarisOffice/ETemp/27612_13624568/fImage558215419169.png"/>
+          <p:cNvPicPr>
+            <a:picLocks noChangeAspect="1"/>
+          </p:cNvPicPr>
+          <p:nvPr/>
+        </p:nvPicPr>
+        <p:blipFill rotWithShape="1">
+          <a:blip r:embed="rId5" cstate="hqprint">
+            <a:extLst>
+              <a:ext uri="{28A0092B-C50C-407E-A947-70E740481C1C}">
+                <a14:useLocalDpi xmlns:a14="http://schemas.microsoft.com/office/drawing/2010/main"/>
+              </a:ext>
+            </a:extLst>
+          </a:blip>
+          <a:stretch>
+            <a:fillRect/>
+          </a:stretch>
+        </p:blipFill>
+        <p:spPr>
+          <a:xfrm rot="0">
+            <a:off x="7487285" y="4586605"/>
+            <a:ext cx="1218565" cy="913765"/>
+          </a:xfrm>
+          <a:prstGeom prst="rect"/>
+          <a:noFill/>
+        </p:spPr>
+      </p:pic>
+      <p:pic>
+        <p:nvPicPr>
+          <p:cNvPr id="22" name="그림 8" descr="C:/Users/Admin1/AppData/Roaming/PolarisOffice/ETemp/27612_13624568/fImage558215425724.png"/>
+          <p:cNvPicPr>
+            <a:picLocks noChangeAspect="1"/>
+          </p:cNvPicPr>
+          <p:nvPr/>
+        </p:nvPicPr>
+        <p:blipFill rotWithShape="1">
+          <a:blip r:embed="rId6" cstate="hqprint">
+            <a:extLst>
+              <a:ext uri="{28A0092B-C50C-407E-A947-70E740481C1C}">
+                <a14:useLocalDpi xmlns:a14="http://schemas.microsoft.com/office/drawing/2010/main"/>
+              </a:ext>
+            </a:extLst>
+          </a:blip>
+          <a:stretch>
+            <a:fillRect/>
+          </a:stretch>
+        </p:blipFill>
+        <p:spPr>
+          <a:xfrm rot="0">
+            <a:off x="9498965" y="4599305"/>
+            <a:ext cx="1218565" cy="913765"/>
+          </a:xfrm>
+          <a:prstGeom prst="rect"/>
+          <a:noFill/>
+        </p:spPr>
+      </p:pic>
+      <p:sp>
+        <p:nvSpPr>
+          <p:cNvPr id="23" name="도형 9"/>
+          <p:cNvSpPr>
+            <a:spLocks/>
+          </p:cNvSpPr>
+          <p:nvPr/>
+        </p:nvSpPr>
+        <p:spPr>
+          <a:xfrm rot="5400000">
+            <a:off x="7881620" y="4203065"/>
+            <a:ext cx="299085" cy="275590"/>
+          </a:xfrm>
+          <a:prstGeom prst="notchedRightArrow"/>
+          <a:scene3d>
+            <a:camera prst="orthographicFront"/>
+            <a:lightRig rig="threePt" dir="t"/>
+          </a:scene3d>
+          <a:sp3d prstMaterial="warmMatte">
+            <a:bevelT w="76200" h="76200" prst="circle"/>
+            <a:contourClr>
+              <a:srgbClr val="000000"/>
+            </a:contourClr>
+          </a:sp3d>
+        </p:spPr>
+        <p:style>
+          <a:lnRef idx="2">
+            <a:schemeClr val="accent1">
+              <a:shade val="50000"/>
+            </a:schemeClr>
+          </a:lnRef>
+          <a:fillRef idx="1">
+            <a:schemeClr val="accent1"/>
+          </a:fillRef>
+          <a:effectRef idx="0">
+            <a:schemeClr val="accent1"/>
+          </a:effectRef>
+          <a:fontRef idx="minor">
+            <a:schemeClr val="lt1"/>
+          </a:fontRef>
+        </p:style>
+        <p:txBody>
+          <a:bodyPr wrap="square" lIns="91440" tIns="45720" rIns="91440" bIns="45720" numCol="1" vert="horz" anchor="ctr">
+            <a:noAutofit/>
+          </a:bodyPr>
+          <a:lstStyle/>
+          <a:p>
+            <a:pPr marL="0" indent="0" algn="ctr" latinLnBrk="0" hangingPunct="1">
+              <a:buFontTx/>
+              <a:buNone/>
+            </a:pPr>
+            <a:endParaRPr lang="ko-KR" altLang="en-US" sz="1800">
+              <a:latin typeface="맑은 고딕" charset="0"/>
+              <a:ea typeface="맑은 고딕" charset="0"/>
+            </a:endParaRPr>
+          </a:p>
+        </p:txBody>
+      </p:sp>
+      <p:sp>
+        <p:nvSpPr>
+          <p:cNvPr id="24" name="도형 10"/>
+          <p:cNvSpPr>
+            <a:spLocks/>
+          </p:cNvSpPr>
+          <p:nvPr/>
+        </p:nvSpPr>
+        <p:spPr>
+          <a:xfrm rot="0">
+            <a:off x="8977630" y="4906010"/>
+            <a:ext cx="299085" cy="275590"/>
+          </a:xfrm>
+          <a:prstGeom prst="notchedRightArrow"/>
+          <a:scene3d>
+            <a:camera prst="orthographicFront"/>
+            <a:lightRig rig="threePt" dir="t"/>
+          </a:scene3d>
+          <a:sp3d prstMaterial="warmMatte">
+            <a:bevelT w="76200" h="76200" prst="circle"/>
+            <a:contourClr>
+              <a:srgbClr val="000000"/>
+            </a:contourClr>
+          </a:sp3d>
+        </p:spPr>
+        <p:style>
+          <a:lnRef idx="2">
+            <a:schemeClr val="accent1">
+              <a:shade val="50000"/>
+            </a:schemeClr>
+          </a:lnRef>
+          <a:fillRef idx="1">
+            <a:schemeClr val="accent1"/>
+          </a:fillRef>
+          <a:effectRef idx="0">
+            <a:schemeClr val="accent1"/>
+          </a:effectRef>
+          <a:fontRef idx="minor">
+            <a:schemeClr val="lt1"/>
+          </a:fontRef>
+        </p:style>
+        <p:txBody>
+          <a:bodyPr wrap="square" lIns="91440" tIns="45720" rIns="91440" bIns="45720" numCol="1" vert="horz" anchor="ctr">
+            <a:noAutofit/>
+          </a:bodyPr>
+          <a:lstStyle/>
+          <a:p>
+            <a:pPr marL="0" indent="0" algn="ctr" latinLnBrk="0" hangingPunct="1">
+              <a:buFontTx/>
+              <a:buNone/>
+            </a:pPr>
+            <a:endParaRPr lang="ko-KR" altLang="en-US" sz="1800">
+              <a:latin typeface="맑은 고딕" charset="0"/>
+              <a:ea typeface="맑은 고딕" charset="0"/>
+            </a:endParaRPr>
+          </a:p>
+        </p:txBody>
+      </p:sp>
+      <p:sp>
+        <p:nvSpPr>
+          <p:cNvPr id="25" name="도형 11"/>
+          <p:cNvSpPr>
+            <a:spLocks/>
+          </p:cNvSpPr>
+          <p:nvPr/>
+        </p:nvSpPr>
+        <p:spPr>
+          <a:xfrm rot="10800000">
+            <a:off x="8917940" y="3596005"/>
+            <a:ext cx="299085" cy="275590"/>
+          </a:xfrm>
+          <a:prstGeom prst="notchedRightArrow"/>
+          <a:scene3d>
+            <a:camera prst="orthographicFront"/>
+            <a:lightRig rig="threePt" dir="t"/>
+          </a:scene3d>
+          <a:sp3d prstMaterial="warmMatte">
+            <a:bevelT w="76200" h="76200" prst="circle"/>
+            <a:contourClr>
+              <a:srgbClr val="000000"/>
+            </a:contourClr>
+          </a:sp3d>
+        </p:spPr>
+        <p:style>
+          <a:lnRef idx="2">
+            <a:schemeClr val="accent1">
+              <a:shade val="50000"/>
+            </a:schemeClr>
+          </a:lnRef>
+          <a:fillRef idx="1">
+            <a:schemeClr val="accent1"/>
+          </a:fillRef>
+          <a:effectRef idx="0">
+            <a:schemeClr val="accent1"/>
+          </a:effectRef>
+          <a:fontRef idx="minor">
+            <a:schemeClr val="lt1"/>
+          </a:fontRef>
+        </p:style>
+        <p:txBody>
+          <a:bodyPr wrap="square" lIns="91440" tIns="45720" rIns="91440" bIns="45720" numCol="1" vert="horz" anchor="ctr">
+            <a:noAutofit/>
+          </a:bodyPr>
+          <a:lstStyle/>
+          <a:p>
+            <a:pPr marL="0" indent="0" algn="ctr" latinLnBrk="0" hangingPunct="1">
+              <a:buFontTx/>
+              <a:buNone/>
+            </a:pPr>
+            <a:endParaRPr lang="ko-KR" altLang="en-US" sz="1800">
+              <a:latin typeface="맑은 고딕" charset="0"/>
+              <a:ea typeface="맑은 고딕" charset="0"/>
+            </a:endParaRPr>
+          </a:p>
+        </p:txBody>
+      </p:sp>
+      <p:pic>
+        <p:nvPicPr>
+          <p:cNvPr id="26" name="그림 12" descr="C:/Users/Admin1/AppData/Roaming/PolarisOffice/ETemp/27612_13624568/fImage87611408467.png"/>
+          <p:cNvPicPr>
+            <a:picLocks noChangeAspect="1"/>
+          </p:cNvPicPr>
+          <p:nvPr/>
+        </p:nvPicPr>
+        <p:blipFill rotWithShape="1">
+          <a:blip r:embed="rId7" cstate="print">
+            <a:extLst>
+              <a:ext uri="{28A0092B-C50C-407E-A947-70E740481C1C}">
+                <a14:useLocalDpi xmlns:a14="http://schemas.microsoft.com/office/drawing/2010/main" val="0"/>
+              </a:ext>
+            </a:extLst>
+          </a:blip>
+          <a:stretch>
+            <a:fillRect/>
+          </a:stretch>
+        </p:blipFill>
+        <p:spPr>
+          <a:xfrm rot="0">
+            <a:off x="8213090" y="970915"/>
+            <a:ext cx="1971040" cy="1657985"/>
+          </a:xfrm>
+          <a:prstGeom prst="rect"/>
+          <a:noFill/>
+        </p:spPr>
+      </p:pic>
+    </p:spTree>
+  </p:cSld>
+  <p:clrMapOvr>
+    <a:masterClrMapping/>
+  </p:clrMapOvr>
+  <mc:AlternateContent xmlns:mc="http://schemas.openxmlformats.org/markup-compatibility/2006">
+    <mc:Choice xmlns:p14="http://schemas.microsoft.com/office/powerpoint/2010/main" Requires="p14">
+      <p:transition spd="slow" p14:dur="1000"/>
+    </mc:Choice>
+    <mc:Fallback>
+      <p:transition spd="slow"/>
+    </mc:Fallback>
+  </mc:AlternateContent>
+  <p:timing>
+    <p:tnLst>
+      <p:par>
+        <p:cTn id="1" dur="indefinite" restart="never" nodeType="tmRoot"/>
+      </p:par>
+    </p:tnLst>
+  </p:timing>
+</p:sld>
+</file>
+
+<file path=ppt/slides/slide5.xml><?xml version="1.0" encoding="utf-8"?>
+<p:sld xmlns:a="http://schemas.openxmlformats.org/drawingml/2006/main" xmlns:r="http://schemas.openxmlformats.org/officeDocument/2006/relationships" xmlns:p="http://schemas.openxmlformats.org/presentationml/2006/main">
+  <p:cSld>
+    <p:spTree>
+      <p:nvGrpSpPr>
+        <p:cNvPr id="1" name=""/>
+        <p:cNvGrpSpPr/>
+        <p:nvPr/>
+      </p:nvGrpSpPr>
+      <p:grpSpPr>
+        <a:xfrm>
+          <a:off x="0" y="0"/>
+          <a:ext cx="0" cy="0"/>
+          <a:chOff x="0" y="0"/>
+          <a:chExt cx="0" cy="0"/>
+        </a:xfrm>
+      </p:grpSpPr>
+      <p:sp>
+        <p:nvSpPr>
+          <p:cNvPr id="11" name="Rect 0"/>
+          <p:cNvSpPr txBox="1">
+            <a:spLocks/>
+          </p:cNvSpPr>
+          <p:nvPr/>
+        </p:nvSpPr>
+        <p:spPr>
+          <a:xfrm rot="0">
+            <a:off x="1430020" y="4260850"/>
+            <a:ext cx="5354955" cy="1630045"/>
+          </a:xfrm>
+          <a:prstGeom prst="rect"/>
+          <a:noFill/>
+          <a:ln w="0">
+            <a:noFill/>
+            <a:prstDash/>
+          </a:ln>
+        </p:spPr>
+        <p:txBody>
+          <a:bodyPr wrap="square" lIns="89535" tIns="46355" rIns="89535" bIns="46355" numCol="1" vert="horz" anchor="t">
+            <a:spAutoFit/>
+          </a:bodyPr>
+          <a:lstStyle/>
+          <a:p>
+            <a:pPr marL="0" indent="0" algn="l" latinLnBrk="0" hangingPunct="1">
+              <a:buFontTx/>
+              <a:buNone/>
+            </a:pPr>
+            <a:r>
+              <a:rPr lang="ko-KR" sz="2000">
+                <a:latin typeface="맑은 고딕" charset="0"/>
+                <a:ea typeface="맑은 고딕" charset="0"/>
+              </a:rPr>
+              <a:t>외부에 있는 네트워크에 있는 시간을 가져와서 표시하도록 설정합니다.</a:t>
+            </a:r>
+            <a:endParaRPr lang="ko-KR" altLang="en-US" sz="2000">
+              <a:latin typeface="맑은 고딕" charset="0"/>
+              <a:ea typeface="맑은 고딕" charset="0"/>
+            </a:endParaRPr>
+          </a:p>
+          <a:p>
+            <a:pPr marL="0" indent="0" algn="l" latinLnBrk="0" hangingPunct="1">
+              <a:buFontTx/>
+              <a:buNone/>
+            </a:pPr>
+            <a:endParaRPr lang="ko-KR" altLang="en-US" sz="2000">
+              <a:latin typeface="맑은 고딕" charset="0"/>
+              <a:ea typeface="맑은 고딕" charset="0"/>
+            </a:endParaRPr>
+          </a:p>
+          <a:p>
+            <a:pPr marL="0" indent="0" algn="l" latinLnBrk="0" hangingPunct="1">
+              <a:buFontTx/>
+              <a:buNone/>
+            </a:pPr>
+            <a:r>
+              <a:rPr lang="ko-KR" sz="2000">
+                <a:latin typeface="맑은 고딕" charset="0"/>
+                <a:ea typeface="맑은 고딕" charset="0"/>
+              </a:rPr>
+              <a:t>웹사이트에 있는 이미지를 그대로 화면에 표시하도록 설정합니다</a:t>
+            </a:r>
+            <a:endParaRPr lang="ko-KR" altLang="en-US" sz="2000">
+              <a:latin typeface="맑은 고딕" charset="0"/>
+              <a:ea typeface="맑은 고딕" charset="0"/>
+            </a:endParaRPr>
+          </a:p>
+        </p:txBody>
+      </p:sp>
+      <p:sp>
+        <p:nvSpPr>
+          <p:cNvPr id="23" name="Rect 0"/>
+          <p:cNvSpPr>
+            <a:spLocks/>
+          </p:cNvSpPr>
+          <p:nvPr/>
+        </p:nvSpPr>
+        <p:spPr>
+          <a:xfrm rot="5400000">
+            <a:off x="9109075" y="3790315"/>
+            <a:ext cx="299085" cy="275590"/>
+          </a:xfrm>
+          <a:prstGeom prst="notchedRightArrow"/>
+          <a:scene3d>
+            <a:camera prst="orthographicFront"/>
+            <a:lightRig rig="threePt" dir="t"/>
+          </a:scene3d>
+          <a:sp3d prstMaterial="warmMatte">
+            <a:bevelT w="76200" h="76200" prst="circle"/>
+            <a:contourClr>
+              <a:srgbClr val="000000"/>
+            </a:contourClr>
+          </a:sp3d>
+        </p:spPr>
+        <p:style>
+          <a:lnRef idx="2">
+            <a:schemeClr val="accent1">
+              <a:shade val="50000"/>
+            </a:schemeClr>
+          </a:lnRef>
+          <a:fillRef idx="1">
+            <a:schemeClr val="accent1"/>
+          </a:fillRef>
+          <a:effectRef idx="0">
+            <a:schemeClr val="accent1"/>
+          </a:effectRef>
+          <a:fontRef idx="minor">
+            <a:schemeClr val="lt1"/>
+          </a:fontRef>
+        </p:style>
+        <p:txBody>
+          <a:bodyPr wrap="square" lIns="91440" tIns="45720" rIns="91440" bIns="45720" numCol="1" vert="horz" anchor="ctr">
+            <a:noAutofit/>
+          </a:bodyPr>
+          <a:lstStyle/>
+          <a:p>
+            <a:pPr marL="0" indent="0" algn="ctr" latinLnBrk="0" hangingPunct="1">
+              <a:buFontTx/>
+              <a:buNone/>
+            </a:pPr>
+            <a:endParaRPr lang="ko-KR" altLang="en-US" sz="1800">
+              <a:latin typeface="맑은 고딕" charset="0"/>
+              <a:ea typeface="맑은 고딕" charset="0"/>
+            </a:endParaRPr>
+          </a:p>
+        </p:txBody>
+      </p:sp>
+      <p:pic>
+        <p:nvPicPr>
+          <p:cNvPr id="27" name="그림 13" descr="C:/Users/Admin1/AppData/Roaming/PolarisOffice/ETemp/27612_13624568/fImage617171516334.png"/>
+          <p:cNvPicPr>
+            <a:picLocks noChangeAspect="1"/>
+          </p:cNvPicPr>
+          <p:nvPr/>
+        </p:nvPicPr>
+        <p:blipFill rotWithShape="1">
+          <a:blip r:embed="rId2" cstate="print">
+            <a:extLst>
+              <a:ext uri="{28A0092B-C50C-407E-A947-70E740481C1C}">
+                <a14:useLocalDpi xmlns:a14="http://schemas.microsoft.com/office/drawing/2010/main" val="0"/>
+              </a:ext>
+            </a:extLst>
+          </a:blip>
+          <a:stretch>
+            <a:fillRect/>
+          </a:stretch>
+        </p:blipFill>
+        <p:spPr>
+          <a:xfrm rot="0">
+            <a:off x="1429385" y="1911985"/>
+            <a:ext cx="2067560" cy="2059940"/>
+          </a:xfrm>
+          <a:prstGeom prst="rect"/>
+          <a:noFill/>
+        </p:spPr>
+      </p:pic>
+      <p:pic>
+        <p:nvPicPr>
+          <p:cNvPr id="28" name="그림 14" descr="C:/Users/Admin1/AppData/Roaming/PolarisOffice/ETemp/27612_13624568/fImage147651526500.png"/>
+          <p:cNvPicPr>
+            <a:picLocks noChangeAspect="1"/>
+          </p:cNvPicPr>
+          <p:nvPr/>
+        </p:nvPicPr>
+        <p:blipFill rotWithShape="1">
+          <a:blip r:embed="rId3" cstate="print">
+            <a:extLst>
+              <a:ext uri="{28A0092B-C50C-407E-A947-70E740481C1C}">
+                <a14:useLocalDpi xmlns:a14="http://schemas.microsoft.com/office/drawing/2010/main" val="0"/>
+              </a:ext>
+            </a:extLst>
+          </a:blip>
+          <a:stretch>
+            <a:fillRect/>
+          </a:stretch>
+        </p:blipFill>
+        <p:spPr>
+          <a:xfrm rot="0">
+            <a:off x="4225925" y="1917065"/>
+            <a:ext cx="2143760" cy="2049145"/>
+          </a:xfrm>
+          <a:prstGeom prst="rect"/>
+          <a:noFill/>
+        </p:spPr>
+      </p:pic>
+      <p:sp>
+        <p:nvSpPr>
+          <p:cNvPr id="29" name="도형 16"/>
+          <p:cNvSpPr>
+            <a:spLocks/>
+          </p:cNvSpPr>
+          <p:nvPr/>
+        </p:nvSpPr>
+        <p:spPr>
+          <a:xfrm rot="0">
+            <a:off x="2119630" y="964565"/>
+            <a:ext cx="3425825" cy="765175"/>
+          </a:xfrm>
+          <a:prstGeom prst="curvedDownArrow"/>
+        </p:spPr>
+        <p:style>
+          <a:lnRef idx="2">
+            <a:schemeClr val="accent1">
+              <a:shade val="50000"/>
+            </a:schemeClr>
+          </a:lnRef>
+          <a:fillRef idx="1">
+            <a:schemeClr val="accent1"/>
+          </a:fillRef>
+          <a:effectRef idx="0">
+            <a:schemeClr val="accent1"/>
+          </a:effectRef>
+          <a:fontRef idx="minor">
+            <a:schemeClr val="lt1"/>
+          </a:fontRef>
+        </p:style>
+        <p:txBody>
+          <a:bodyPr wrap="square" lIns="91440" tIns="45720" rIns="91440" bIns="45720" vert="horz" anchor="ctr">
+            <a:noAutofit/>
+          </a:bodyPr>
+          <a:lstStyle/>
+          <a:p>
+            <a:pPr marL="0" indent="0" algn="ctr" hangingPunct="1"/>
+            <a:endParaRPr lang="ko-KR" altLang="en-US" sz="1800">
+              <a:latin typeface="맑은 고딕" charset="0"/>
+              <a:ea typeface="맑은 고딕" charset="0"/>
+            </a:endParaRPr>
+          </a:p>
+        </p:txBody>
+      </p:sp>
+      <p:pic>
+        <p:nvPicPr>
+          <p:cNvPr id="30" name="그림 17" descr="C:/Users/Admin1/AppData/Roaming/PolarisOffice/ETemp/27612_13624568/fImage70281559169.png"/>
+          <p:cNvPicPr>
+            <a:picLocks noChangeAspect="1"/>
+          </p:cNvPicPr>
+          <p:nvPr/>
+        </p:nvPicPr>
+        <p:blipFill rotWithShape="1">
+          <a:blip r:embed="rId4" cstate="print">
+            <a:extLst>
+              <a:ext uri="{28A0092B-C50C-407E-A947-70E740481C1C}">
+                <a14:useLocalDpi xmlns:a14="http://schemas.microsoft.com/office/drawing/2010/main" val="0"/>
+              </a:ext>
+            </a:extLst>
+          </a:blip>
+          <a:stretch>
+            <a:fillRect/>
+          </a:stretch>
+        </p:blipFill>
+        <p:spPr>
+          <a:xfrm rot="0">
+            <a:off x="8082915" y="1415415"/>
+            <a:ext cx="2143760" cy="2143760"/>
+          </a:xfrm>
+          <a:prstGeom prst="rect"/>
+          <a:noFill/>
+        </p:spPr>
+      </p:pic>
+      <p:pic>
+        <p:nvPicPr>
+          <p:cNvPr id="31" name="그림 19" descr="C:/Users/Admin1/AppData/Roaming/PolarisOffice/ETemp/27612_13624568/fImage61291575724.png"/>
+          <p:cNvPicPr>
+            <a:picLocks noChangeAspect="1"/>
+          </p:cNvPicPr>
+          <p:nvPr/>
+        </p:nvPicPr>
+        <p:blipFill rotWithShape="1">
+          <a:blip r:embed="rId5" cstate="print">
+            <a:extLst>
+              <a:ext uri="{28A0092B-C50C-407E-A947-70E740481C1C}">
+                <a14:useLocalDpi xmlns:a14="http://schemas.microsoft.com/office/drawing/2010/main" val="0"/>
+              </a:ext>
+            </a:extLst>
+          </a:blip>
+          <a:stretch>
+            <a:fillRect/>
+          </a:stretch>
+        </p:blipFill>
+        <p:spPr>
+          <a:xfrm rot="0">
+            <a:off x="8199120" y="4262120"/>
+            <a:ext cx="2143760" cy="1612265"/>
           </a:xfrm>
           <a:prstGeom prst="rect"/>
           <a:noFill/>
